--- a/졸프 최종보고서/최종발표.pptx
+++ b/졸프 최종보고서/최종발표.pptx
@@ -256,7 +256,7 @@
             <a:fld id="{29A4CCEE-A5BC-4B50-8AEB-B0D523E630C0}" type="datetimeFigureOut">
               <a:rPr lang="ko-KR" altLang="en-US" smtClean="0"/>
               <a:pPr/>
-              <a:t>2016-06-04</a:t>
+              <a:t>2016-06-08</a:t>
             </a:fld>
             <a:endParaRPr lang="ko-KR" altLang="en-US" dirty="0"/>
           </a:p>
@@ -3169,7 +3169,7 @@
           <a:p>
             <a:fld id="{C371A25B-1A51-40C1-A870-A49E466EAC33}" type="datetimeFigureOut">
               <a:rPr lang="ko-KR" altLang="en-US" smtClean="0"/>
-              <a:t>2016-06-04</a:t>
+              <a:t>2016-06-08</a:t>
             </a:fld>
             <a:endParaRPr lang="ko-KR" altLang="en-US"/>
           </a:p>
@@ -3339,7 +3339,7 @@
           <a:p>
             <a:fld id="{C371A25B-1A51-40C1-A870-A49E466EAC33}" type="datetimeFigureOut">
               <a:rPr lang="ko-KR" altLang="en-US" smtClean="0"/>
-              <a:t>2016-06-04</a:t>
+              <a:t>2016-06-08</a:t>
             </a:fld>
             <a:endParaRPr lang="ko-KR" altLang="en-US"/>
           </a:p>
@@ -3519,7 +3519,7 @@
           <a:p>
             <a:fld id="{C371A25B-1A51-40C1-A870-A49E466EAC33}" type="datetimeFigureOut">
               <a:rPr lang="ko-KR" altLang="en-US" smtClean="0"/>
-              <a:t>2016-06-04</a:t>
+              <a:t>2016-06-08</a:t>
             </a:fld>
             <a:endParaRPr lang="ko-KR" altLang="en-US"/>
           </a:p>
@@ -3835,7 +3835,7 @@
           <a:p>
             <a:fld id="{C371A25B-1A51-40C1-A870-A49E466EAC33}" type="datetimeFigureOut">
               <a:rPr lang="ko-KR" altLang="en-US" smtClean="0"/>
-              <a:t>2016-06-04</a:t>
+              <a:t>2016-06-08</a:t>
             </a:fld>
             <a:endParaRPr lang="ko-KR" altLang="en-US"/>
           </a:p>
@@ -4081,7 +4081,7 @@
           <a:p>
             <a:fld id="{C371A25B-1A51-40C1-A870-A49E466EAC33}" type="datetimeFigureOut">
               <a:rPr lang="ko-KR" altLang="en-US" smtClean="0"/>
-              <a:t>2016-06-04</a:t>
+              <a:t>2016-06-08</a:t>
             </a:fld>
             <a:endParaRPr lang="ko-KR" altLang="en-US"/>
           </a:p>
@@ -4313,7 +4313,7 @@
           <a:p>
             <a:fld id="{C371A25B-1A51-40C1-A870-A49E466EAC33}" type="datetimeFigureOut">
               <a:rPr lang="ko-KR" altLang="en-US" smtClean="0"/>
-              <a:t>2016-06-04</a:t>
+              <a:t>2016-06-08</a:t>
             </a:fld>
             <a:endParaRPr lang="ko-KR" altLang="en-US"/>
           </a:p>
@@ -4680,7 +4680,7 @@
           <a:p>
             <a:fld id="{C371A25B-1A51-40C1-A870-A49E466EAC33}" type="datetimeFigureOut">
               <a:rPr lang="ko-KR" altLang="en-US" smtClean="0"/>
-              <a:t>2016-06-04</a:t>
+              <a:t>2016-06-08</a:t>
             </a:fld>
             <a:endParaRPr lang="ko-KR" altLang="en-US"/>
           </a:p>
@@ -4798,7 +4798,7 @@
           <a:p>
             <a:fld id="{C371A25B-1A51-40C1-A870-A49E466EAC33}" type="datetimeFigureOut">
               <a:rPr lang="ko-KR" altLang="en-US" smtClean="0"/>
-              <a:t>2016-06-04</a:t>
+              <a:t>2016-06-08</a:t>
             </a:fld>
             <a:endParaRPr lang="ko-KR" altLang="en-US"/>
           </a:p>
@@ -4893,7 +4893,7 @@
           <a:p>
             <a:fld id="{C371A25B-1A51-40C1-A870-A49E466EAC33}" type="datetimeFigureOut">
               <a:rPr lang="ko-KR" altLang="en-US" smtClean="0"/>
-              <a:t>2016-06-04</a:t>
+              <a:t>2016-06-08</a:t>
             </a:fld>
             <a:endParaRPr lang="ko-KR" altLang="en-US"/>
           </a:p>
@@ -5170,7 +5170,7 @@
           <a:p>
             <a:fld id="{C371A25B-1A51-40C1-A870-A49E466EAC33}" type="datetimeFigureOut">
               <a:rPr lang="ko-KR" altLang="en-US" smtClean="0"/>
-              <a:t>2016-06-04</a:t>
+              <a:t>2016-06-08</a:t>
             </a:fld>
             <a:endParaRPr lang="ko-KR" altLang="en-US"/>
           </a:p>
@@ -5427,7 +5427,7 @@
           <a:p>
             <a:fld id="{C371A25B-1A51-40C1-A870-A49E466EAC33}" type="datetimeFigureOut">
               <a:rPr lang="ko-KR" altLang="en-US" smtClean="0"/>
-              <a:t>2016-06-04</a:t>
+              <a:t>2016-06-08</a:t>
             </a:fld>
             <a:endParaRPr lang="ko-KR" altLang="en-US"/>
           </a:p>
@@ -5642,7 +5642,7 @@
             <a:fld id="{C371A25B-1A51-40C1-A870-A49E466EAC33}" type="datetimeFigureOut">
               <a:rPr lang="ko-KR" altLang="en-US" smtClean="0"/>
               <a:pPr/>
-              <a:t>2016-06-04</a:t>
+              <a:t>2016-06-08</a:t>
             </a:fld>
             <a:endParaRPr lang="ko-KR" altLang="en-US" dirty="0"/>
           </a:p>
@@ -6088,7 +6088,7 @@
         </p:nvSpPr>
         <p:spPr>
           <a:xfrm>
-            <a:off x="-381001" y="-99171"/>
+            <a:off x="-364672" y="-106158"/>
             <a:ext cx="9996055" cy="5927316"/>
           </a:xfrm>
           <a:prstGeom prst="rect">
@@ -6262,7 +6262,7 @@
         <p:spPr>
           <a:xfrm>
             <a:off x="1786524" y="3564141"/>
-            <a:ext cx="5570951" cy="505590"/>
+            <a:ext cx="5570951" cy="1136656"/>
           </a:xfrm>
           <a:prstGeom prst="rect">
             <a:avLst/>
@@ -6487,7 +6487,39 @@
               </a:rPr>
               <a:t>-</a:t>
             </a:r>
-            <a:endParaRPr lang="ko-KR" altLang="en-US" sz="2400" dirty="0">
+          </a:p>
+          <a:p>
+            <a:r>
+              <a:rPr lang="en-US" altLang="ko-KR" sz="2000" dirty="0">
+                <a:solidFill>
+                  <a:srgbClr val="002060"/>
+                </a:solidFill>
+                <a:latin typeface="a아메리카노B" panose="02020600000000000000" pitchFamily="18" charset="-127"/>
+                <a:ea typeface="a아메리카노B" panose="02020600000000000000" pitchFamily="18" charset="-127"/>
+              </a:rPr>
+              <a:t>[ </a:t>
+            </a:r>
+            <a:r>
+              <a:rPr lang="ko-KR" altLang="en-US" sz="2000" dirty="0">
+                <a:solidFill>
+                  <a:srgbClr val="002060"/>
+                </a:solidFill>
+                <a:latin typeface="a아메리카노B" panose="02020600000000000000" pitchFamily="18" charset="-127"/>
+                <a:ea typeface="a아메리카노B" panose="02020600000000000000" pitchFamily="18" charset="-127"/>
+              </a:rPr>
+              <a:t>최종 발표 </a:t>
+            </a:r>
+            <a:r>
+              <a:rPr lang="en-US" altLang="ko-KR" sz="2000" dirty="0">
+                <a:solidFill>
+                  <a:srgbClr val="002060"/>
+                </a:solidFill>
+                <a:latin typeface="a아메리카노B" panose="02020600000000000000" pitchFamily="18" charset="-127"/>
+                <a:ea typeface="a아메리카노B" panose="02020600000000000000" pitchFamily="18" charset="-127"/>
+              </a:rPr>
+              <a:t>]</a:t>
+            </a:r>
+            <a:endParaRPr lang="ko-KR" altLang="en-US" sz="2000" dirty="0">
               <a:solidFill>
                 <a:srgbClr val="002060"/>
               </a:solidFill>
